--- a/class-08-numpy+pandas/numpy-pandas.pptx
+++ b/class-08-numpy+pandas/numpy-pandas.pptx
@@ -11,6 +11,15 @@
     <p:sldId id="261" r:id="rId5"/>
     <p:sldId id="259" r:id="rId6"/>
     <p:sldId id="258" r:id="rId7"/>
+    <p:sldId id="269" r:id="rId8"/>
+    <p:sldId id="262" r:id="rId9"/>
+    <p:sldId id="263" r:id="rId10"/>
+    <p:sldId id="270" r:id="rId11"/>
+    <p:sldId id="264" r:id="rId12"/>
+    <p:sldId id="265" r:id="rId13"/>
+    <p:sldId id="266" r:id="rId14"/>
+    <p:sldId id="267" r:id="rId15"/>
+    <p:sldId id="268" r:id="rId16"/>
   </p:sldIdLst>
   <p:sldSz cx="12192000" cy="6858000"/>
   <p:notesSz cx="6858000" cy="9144000"/>
@@ -3817,6 +3826,840 @@
 </p:sld>
 </file>
 
+<file path=ppt/slides/slide10.xml><?xml version="1.0" encoding="utf-8"?>
+<p:sld xmlns:a="http://schemas.openxmlformats.org/drawingml/2006/main" xmlns:r="http://schemas.openxmlformats.org/officeDocument/2006/relationships" xmlns:p="http://schemas.openxmlformats.org/presentationml/2006/main">
+  <p:cSld>
+    <p:spTree>
+      <p:nvGrpSpPr>
+        <p:cNvPr id="1" name=""/>
+        <p:cNvGrpSpPr/>
+        <p:nvPr/>
+      </p:nvGrpSpPr>
+      <p:grpSpPr>
+        <a:xfrm>
+          <a:off x="0" y="0"/>
+          <a:ext cx="0" cy="0"/>
+          <a:chOff x="0" y="0"/>
+          <a:chExt cx="0" cy="0"/>
+        </a:xfrm>
+      </p:grpSpPr>
+      <p:sp>
+        <p:nvSpPr>
+          <p:cNvPr id="2" name="Title 1"/>
+          <p:cNvSpPr>
+            <a:spLocks noGrp="1"/>
+          </p:cNvSpPr>
+          <p:nvPr>
+            <p:ph type="title"/>
+          </p:nvPr>
+        </p:nvSpPr>
+        <p:spPr/>
+        <p:txBody>
+          <a:bodyPr/>
+          <a:lstStyle/>
+          <a:p>
+            <a:r>
+              <a:rPr lang="en-US" dirty="0" err="1" smtClean="0"/>
+              <a:t>Comon</a:t>
+            </a:r>
+            <a:r>
+              <a:rPr lang="en-US" dirty="0" smtClean="0"/>
+              <a:t> Math functions</a:t>
+            </a:r>
+            <a:endParaRPr lang="en-US" dirty="0"/>
+          </a:p>
+        </p:txBody>
+      </p:sp>
+      <p:pic>
+        <p:nvPicPr>
+          <p:cNvPr id="4" name="Content Placeholder 3"/>
+          <p:cNvPicPr>
+            <a:picLocks noGrp="1" noChangeAspect="1"/>
+          </p:cNvPicPr>
+          <p:nvPr>
+            <p:ph idx="1"/>
+          </p:nvPr>
+        </p:nvPicPr>
+        <p:blipFill>
+          <a:blip r:embed="rId2">
+            <a:extLst>
+              <a:ext uri="{28A0092B-C50C-407E-A947-70E740481C1C}">
+                <a14:useLocalDpi xmlns:a14="http://schemas.microsoft.com/office/drawing/2010/main" val="0"/>
+              </a:ext>
+            </a:extLst>
+          </a:blip>
+          <a:stretch>
+            <a:fillRect/>
+          </a:stretch>
+        </p:blipFill>
+        <p:spPr>
+          <a:xfrm>
+            <a:off x="7252765" y="0"/>
+            <a:ext cx="4038690" cy="6842913"/>
+          </a:xfrm>
+        </p:spPr>
+      </p:pic>
+    </p:spTree>
+    <p:extLst>
+      <p:ext uri="{BB962C8B-B14F-4D97-AF65-F5344CB8AC3E}">
+        <p14:creationId xmlns:p14="http://schemas.microsoft.com/office/powerpoint/2010/main" val="1591903563"/>
+      </p:ext>
+    </p:extLst>
+  </p:cSld>
+  <p:clrMapOvr>
+    <a:masterClrMapping/>
+  </p:clrMapOvr>
+</p:sld>
+</file>
+
+<file path=ppt/slides/slide11.xml><?xml version="1.0" encoding="utf-8"?>
+<p:sld xmlns:a="http://schemas.openxmlformats.org/drawingml/2006/main" xmlns:r="http://schemas.openxmlformats.org/officeDocument/2006/relationships" xmlns:p="http://schemas.openxmlformats.org/presentationml/2006/main">
+  <p:cSld>
+    <p:spTree>
+      <p:nvGrpSpPr>
+        <p:cNvPr id="1" name=""/>
+        <p:cNvGrpSpPr/>
+        <p:nvPr/>
+      </p:nvGrpSpPr>
+      <p:grpSpPr>
+        <a:xfrm>
+          <a:off x="0" y="0"/>
+          <a:ext cx="0" cy="0"/>
+          <a:chOff x="0" y="0"/>
+          <a:chExt cx="0" cy="0"/>
+        </a:xfrm>
+      </p:grpSpPr>
+      <p:sp>
+        <p:nvSpPr>
+          <p:cNvPr id="4" name="Title 3"/>
+          <p:cNvSpPr>
+            <a:spLocks noGrp="1"/>
+          </p:cNvSpPr>
+          <p:nvPr>
+            <p:ph type="title"/>
+          </p:nvPr>
+        </p:nvSpPr>
+        <p:spPr/>
+        <p:txBody>
+          <a:bodyPr/>
+          <a:lstStyle/>
+          <a:p>
+            <a:r>
+              <a:rPr lang="en-US" dirty="0" smtClean="0"/>
+              <a:t>How many ways can you write UNC?</a:t>
+            </a:r>
+            <a:endParaRPr lang="en-US" dirty="0"/>
+          </a:p>
+        </p:txBody>
+      </p:sp>
+      <p:sp>
+        <p:nvSpPr>
+          <p:cNvPr id="6" name="Content Placeholder 5"/>
+          <p:cNvSpPr>
+            <a:spLocks noGrp="1"/>
+          </p:cNvSpPr>
+          <p:nvPr>
+            <p:ph idx="1"/>
+          </p:nvPr>
+        </p:nvSpPr>
+        <p:spPr/>
+        <p:txBody>
+          <a:bodyPr/>
+          <a:lstStyle/>
+          <a:p>
+            <a:endParaRPr lang="en-US"/>
+          </a:p>
+        </p:txBody>
+      </p:sp>
+    </p:spTree>
+    <p:extLst>
+      <p:ext uri="{BB962C8B-B14F-4D97-AF65-F5344CB8AC3E}">
+        <p14:creationId xmlns:p14="http://schemas.microsoft.com/office/powerpoint/2010/main" val="1287051516"/>
+      </p:ext>
+    </p:extLst>
+  </p:cSld>
+  <p:clrMapOvr>
+    <a:masterClrMapping/>
+  </p:clrMapOvr>
+</p:sld>
+</file>
+
+<file path=ppt/slides/slide12.xml><?xml version="1.0" encoding="utf-8"?>
+<p:sld xmlns:a="http://schemas.openxmlformats.org/drawingml/2006/main" xmlns:r="http://schemas.openxmlformats.org/officeDocument/2006/relationships" xmlns:p="http://schemas.openxmlformats.org/presentationml/2006/main">
+  <p:cSld>
+    <p:spTree>
+      <p:nvGrpSpPr>
+        <p:cNvPr id="1" name=""/>
+        <p:cNvGrpSpPr/>
+        <p:nvPr/>
+      </p:nvGrpSpPr>
+      <p:grpSpPr>
+        <a:xfrm>
+          <a:off x="0" y="0"/>
+          <a:ext cx="0" cy="0"/>
+          <a:chOff x="0" y="0"/>
+          <a:chExt cx="0" cy="0"/>
+        </a:xfrm>
+      </p:grpSpPr>
+      <p:sp>
+        <p:nvSpPr>
+          <p:cNvPr id="4" name="Title 3"/>
+          <p:cNvSpPr>
+            <a:spLocks noGrp="1"/>
+          </p:cNvSpPr>
+          <p:nvPr>
+            <p:ph type="title"/>
+          </p:nvPr>
+        </p:nvSpPr>
+        <p:spPr/>
+        <p:txBody>
+          <a:bodyPr/>
+          <a:lstStyle/>
+          <a:p>
+            <a:r>
+              <a:rPr lang="en-US" dirty="0" smtClean="0"/>
+              <a:t>How </a:t>
+            </a:r>
+            <a:r>
+              <a:rPr lang="en-US" smtClean="0"/>
+              <a:t>many ways can you write UNC?</a:t>
+            </a:r>
+            <a:endParaRPr lang="en-US" dirty="0"/>
+          </a:p>
+        </p:txBody>
+      </p:sp>
+      <p:sp>
+        <p:nvSpPr>
+          <p:cNvPr id="6" name="Content Placeholder 5"/>
+          <p:cNvSpPr>
+            <a:spLocks noGrp="1"/>
+          </p:cNvSpPr>
+          <p:nvPr>
+            <p:ph sz="half" idx="1"/>
+          </p:nvPr>
+        </p:nvSpPr>
+        <p:spPr/>
+        <p:txBody>
+          <a:bodyPr>
+            <a:normAutofit/>
+          </a:bodyPr>
+          <a:lstStyle/>
+          <a:p>
+            <a:r>
+              <a:rPr lang="en-US" dirty="0" smtClean="0"/>
+              <a:t>UNC</a:t>
+            </a:r>
+          </a:p>
+          <a:p>
+            <a:r>
+              <a:rPr lang="en-US" dirty="0" smtClean="0"/>
+              <a:t>UNC Chapel Hill</a:t>
+            </a:r>
+          </a:p>
+          <a:p>
+            <a:r>
+              <a:rPr lang="en-US" dirty="0" smtClean="0"/>
+              <a:t>UNC-CH</a:t>
+            </a:r>
+          </a:p>
+          <a:p>
+            <a:r>
+              <a:rPr lang="en-US" dirty="0" smtClean="0"/>
+              <a:t>UNCCH</a:t>
+            </a:r>
+          </a:p>
+          <a:p>
+            <a:r>
+              <a:rPr lang="en-US" dirty="0" smtClean="0"/>
+              <a:t>The University of North Carolina at Chapel Hill</a:t>
+            </a:r>
+          </a:p>
+          <a:p>
+            <a:r>
+              <a:rPr lang="en-US" dirty="0"/>
+              <a:t>The University of North </a:t>
+            </a:r>
+            <a:r>
+              <a:rPr lang="en-US" dirty="0" smtClean="0"/>
+              <a:t>Carolina </a:t>
+            </a:r>
+            <a:r>
+              <a:rPr lang="en-US" dirty="0"/>
+              <a:t>Chapel </a:t>
+            </a:r>
+            <a:r>
+              <a:rPr lang="en-US" dirty="0" smtClean="0"/>
+              <a:t>Hill</a:t>
+            </a:r>
+          </a:p>
+          <a:p>
+            <a:r>
+              <a:rPr lang="en-US" dirty="0"/>
+              <a:t>North Carolina</a:t>
+            </a:r>
+          </a:p>
+          <a:p>
+            <a:r>
+              <a:rPr lang="en-US" dirty="0"/>
+              <a:t>N. </a:t>
+            </a:r>
+            <a:r>
+              <a:rPr lang="en-US" dirty="0" smtClean="0"/>
+              <a:t>Carolina</a:t>
+            </a:r>
+          </a:p>
+          <a:p>
+            <a:r>
+              <a:rPr lang="en-US" dirty="0" smtClean="0"/>
+              <a:t>Carolina</a:t>
+            </a:r>
+            <a:endParaRPr lang="en-US" dirty="0"/>
+          </a:p>
+          <a:p>
+            <a:endParaRPr lang="en-US" dirty="0" smtClean="0"/>
+          </a:p>
+          <a:p>
+            <a:endParaRPr lang="en-US" dirty="0"/>
+          </a:p>
+        </p:txBody>
+      </p:sp>
+      <p:sp>
+        <p:nvSpPr>
+          <p:cNvPr id="2" name="Content Placeholder 1"/>
+          <p:cNvSpPr>
+            <a:spLocks noGrp="1"/>
+          </p:cNvSpPr>
+          <p:nvPr>
+            <p:ph sz="half" idx="2"/>
+          </p:nvPr>
+        </p:nvSpPr>
+        <p:spPr/>
+        <p:txBody>
+          <a:bodyPr>
+            <a:normAutofit/>
+          </a:bodyPr>
+          <a:lstStyle/>
+          <a:p>
+            <a:r>
+              <a:rPr lang="en-US" dirty="0" smtClean="0"/>
+              <a:t>N.C</a:t>
+            </a:r>
+            <a:r>
+              <a:rPr lang="en-US" dirty="0"/>
+              <a:t>.</a:t>
+            </a:r>
+          </a:p>
+          <a:p>
+            <a:r>
+              <a:rPr lang="en-US" dirty="0"/>
+              <a:t>NC</a:t>
+            </a:r>
+          </a:p>
+          <a:p>
+            <a:r>
+              <a:rPr lang="en-US" dirty="0"/>
+              <a:t>North Carolina Chapel Hill</a:t>
+            </a:r>
+          </a:p>
+          <a:p>
+            <a:r>
+              <a:rPr lang="en-US" dirty="0"/>
+              <a:t>North Carolina </a:t>
+            </a:r>
+            <a:r>
+              <a:rPr lang="en-US" dirty="0" err="1"/>
+              <a:t>Tarheels</a:t>
+            </a:r>
+            <a:endParaRPr lang="en-US" dirty="0"/>
+          </a:p>
+          <a:p>
+            <a:r>
+              <a:rPr lang="en-US" dirty="0"/>
+              <a:t>North Carolina Tar </a:t>
+            </a:r>
+            <a:r>
+              <a:rPr lang="en-US" dirty="0" smtClean="0"/>
+              <a:t>Heels</a:t>
+            </a:r>
+          </a:p>
+          <a:p>
+            <a:endParaRPr lang="en-US" dirty="0"/>
+          </a:p>
+          <a:p>
+            <a:endParaRPr lang="en-US" dirty="0" smtClean="0"/>
+          </a:p>
+          <a:p>
+            <a:r>
+              <a:rPr lang="en-US" dirty="0" smtClean="0"/>
+              <a:t>I got 14</a:t>
+            </a:r>
+          </a:p>
+          <a:p>
+            <a:endParaRPr lang="en-US" dirty="0"/>
+          </a:p>
+          <a:p>
+            <a:endParaRPr lang="en-US" dirty="0"/>
+          </a:p>
+        </p:txBody>
+      </p:sp>
+    </p:spTree>
+    <p:extLst>
+      <p:ext uri="{BB962C8B-B14F-4D97-AF65-F5344CB8AC3E}">
+        <p14:creationId xmlns:p14="http://schemas.microsoft.com/office/powerpoint/2010/main" val="326747032"/>
+      </p:ext>
+    </p:extLst>
+  </p:cSld>
+  <p:clrMapOvr>
+    <a:masterClrMapping/>
+  </p:clrMapOvr>
+</p:sld>
+</file>
+
+<file path=ppt/slides/slide13.xml><?xml version="1.0" encoding="utf-8"?>
+<p:sld xmlns:a="http://schemas.openxmlformats.org/drawingml/2006/main" xmlns:r="http://schemas.openxmlformats.org/officeDocument/2006/relationships" xmlns:p="http://schemas.openxmlformats.org/presentationml/2006/main">
+  <p:cSld>
+    <p:spTree>
+      <p:nvGrpSpPr>
+        <p:cNvPr id="1" name=""/>
+        <p:cNvGrpSpPr/>
+        <p:nvPr/>
+      </p:nvGrpSpPr>
+      <p:grpSpPr>
+        <a:xfrm>
+          <a:off x="0" y="0"/>
+          <a:ext cx="0" cy="0"/>
+          <a:chOff x="0" y="0"/>
+          <a:chExt cx="0" cy="0"/>
+        </a:xfrm>
+      </p:grpSpPr>
+      <p:sp>
+        <p:nvSpPr>
+          <p:cNvPr id="5" name="Title 4"/>
+          <p:cNvSpPr>
+            <a:spLocks noGrp="1"/>
+          </p:cNvSpPr>
+          <p:nvPr>
+            <p:ph type="title"/>
+          </p:nvPr>
+        </p:nvSpPr>
+        <p:spPr/>
+        <p:txBody>
+          <a:bodyPr/>
+          <a:lstStyle/>
+          <a:p>
+            <a:r>
+              <a:rPr lang="en-US" dirty="0" smtClean="0"/>
+              <a:t>Common Panda Concepts</a:t>
+            </a:r>
+            <a:endParaRPr lang="en-US" dirty="0"/>
+          </a:p>
+        </p:txBody>
+      </p:sp>
+      <p:sp>
+        <p:nvSpPr>
+          <p:cNvPr id="6" name="Content Placeholder 5"/>
+          <p:cNvSpPr>
+            <a:spLocks noGrp="1"/>
+          </p:cNvSpPr>
+          <p:nvPr>
+            <p:ph idx="1"/>
+          </p:nvPr>
+        </p:nvSpPr>
+        <p:spPr/>
+        <p:txBody>
+          <a:bodyPr/>
+          <a:lstStyle/>
+          <a:p>
+            <a:r>
+              <a:rPr lang="en-US" dirty="0" err="1" smtClean="0"/>
+              <a:t>dataFrame</a:t>
+            </a:r>
+            <a:r>
+              <a:rPr lang="en-US" dirty="0" smtClean="0"/>
+              <a:t> </a:t>
+            </a:r>
+          </a:p>
+          <a:p>
+            <a:pPr lvl="2"/>
+            <a:r>
+              <a:rPr lang="en-US" dirty="0" smtClean="0"/>
+              <a:t>Data Structure</a:t>
+            </a:r>
+          </a:p>
+          <a:p>
+            <a:r>
+              <a:rPr lang="en-US" dirty="0" smtClean="0"/>
+              <a:t>Series</a:t>
+            </a:r>
+          </a:p>
+          <a:p>
+            <a:pPr lvl="1"/>
+            <a:r>
+              <a:rPr lang="en-US" dirty="0"/>
+              <a:t>passing a list </a:t>
+            </a:r>
+            <a:r>
+              <a:rPr lang="en-US" dirty="0" smtClean="0"/>
+              <a:t>of values, </a:t>
+            </a:r>
+            <a:r>
+              <a:rPr lang="en-US" dirty="0"/>
+              <a:t>letting pandas create a default integer </a:t>
+            </a:r>
+            <a:r>
+              <a:rPr lang="en-US" dirty="0" smtClean="0"/>
+              <a:t>index</a:t>
+            </a:r>
+          </a:p>
+          <a:p>
+            <a:r>
+              <a:rPr lang="en-US" dirty="0" err="1" smtClean="0"/>
+              <a:t>dtype</a:t>
+            </a:r>
+            <a:endParaRPr lang="en-US" dirty="0" smtClean="0"/>
+          </a:p>
+          <a:p>
+            <a:pPr lvl="1"/>
+            <a:r>
+              <a:rPr lang="en-US" dirty="0" smtClean="0"/>
+              <a:t>Data type</a:t>
+            </a:r>
+          </a:p>
+        </p:txBody>
+      </p:sp>
+    </p:spTree>
+    <p:extLst>
+      <p:ext uri="{BB962C8B-B14F-4D97-AF65-F5344CB8AC3E}">
+        <p14:creationId xmlns:p14="http://schemas.microsoft.com/office/powerpoint/2010/main" val="1585498546"/>
+      </p:ext>
+    </p:extLst>
+  </p:cSld>
+  <p:clrMapOvr>
+    <a:masterClrMapping/>
+  </p:clrMapOvr>
+</p:sld>
+</file>
+
+<file path=ppt/slides/slide14.xml><?xml version="1.0" encoding="utf-8"?>
+<p:sld xmlns:a="http://schemas.openxmlformats.org/drawingml/2006/main" xmlns:r="http://schemas.openxmlformats.org/officeDocument/2006/relationships" xmlns:p="http://schemas.openxmlformats.org/presentationml/2006/main">
+  <p:cSld>
+    <p:spTree>
+      <p:nvGrpSpPr>
+        <p:cNvPr id="1" name=""/>
+        <p:cNvGrpSpPr/>
+        <p:nvPr/>
+      </p:nvGrpSpPr>
+      <p:grpSpPr>
+        <a:xfrm>
+          <a:off x="0" y="0"/>
+          <a:ext cx="0" cy="0"/>
+          <a:chOff x="0" y="0"/>
+          <a:chExt cx="0" cy="0"/>
+        </a:xfrm>
+      </p:grpSpPr>
+      <p:sp>
+        <p:nvSpPr>
+          <p:cNvPr id="5" name="Title 4"/>
+          <p:cNvSpPr>
+            <a:spLocks noGrp="1"/>
+          </p:cNvSpPr>
+          <p:nvPr>
+            <p:ph type="title"/>
+          </p:nvPr>
+        </p:nvSpPr>
+        <p:spPr/>
+        <p:txBody>
+          <a:bodyPr/>
+          <a:lstStyle/>
+          <a:p>
+            <a:r>
+              <a:rPr lang="en-US" dirty="0" smtClean="0"/>
+              <a:t>Pandas Info and Helpful functions</a:t>
+            </a:r>
+            <a:endParaRPr lang="en-US" dirty="0"/>
+          </a:p>
+        </p:txBody>
+      </p:sp>
+      <p:sp>
+        <p:nvSpPr>
+          <p:cNvPr id="6" name="Content Placeholder 5"/>
+          <p:cNvSpPr>
+            <a:spLocks noGrp="1"/>
+          </p:cNvSpPr>
+          <p:nvPr>
+            <p:ph idx="1"/>
+          </p:nvPr>
+        </p:nvSpPr>
+        <p:spPr>
+          <a:xfrm>
+            <a:off x="1097280" y="1845733"/>
+            <a:ext cx="10058400" cy="4430375"/>
+          </a:xfrm>
+        </p:spPr>
+        <p:txBody>
+          <a:bodyPr>
+            <a:normAutofit/>
+          </a:bodyPr>
+          <a:lstStyle/>
+          <a:p>
+            <a:r>
+              <a:rPr lang="en-US" dirty="0" err="1"/>
+              <a:t>df.describe</a:t>
+            </a:r>
+            <a:r>
+              <a:rPr lang="en-US" dirty="0" smtClean="0"/>
+              <a:t>()</a:t>
+            </a:r>
+          </a:p>
+          <a:p>
+            <a:pPr lvl="1"/>
+            <a:r>
+              <a:rPr lang="en-US" dirty="0" smtClean="0"/>
+              <a:t>Get info</a:t>
+            </a:r>
+            <a:endParaRPr lang="en-US" dirty="0"/>
+          </a:p>
+          <a:p>
+            <a:r>
+              <a:rPr lang="en-US" dirty="0" err="1"/>
+              <a:t>df.head</a:t>
+            </a:r>
+            <a:r>
+              <a:rPr lang="en-US" dirty="0" smtClean="0"/>
+              <a:t>()</a:t>
+            </a:r>
+          </a:p>
+          <a:p>
+            <a:pPr lvl="1"/>
+            <a:r>
+              <a:rPr lang="en-US" dirty="0" smtClean="0"/>
+              <a:t>First 5</a:t>
+            </a:r>
+            <a:endParaRPr lang="en-US" dirty="0"/>
+          </a:p>
+          <a:p>
+            <a:r>
+              <a:rPr lang="en-US" dirty="0" err="1"/>
+              <a:t>df.tail</a:t>
+            </a:r>
+            <a:r>
+              <a:rPr lang="en-US" dirty="0" smtClean="0"/>
+              <a:t>()</a:t>
+            </a:r>
+          </a:p>
+          <a:p>
+            <a:pPr lvl="1"/>
+            <a:r>
+              <a:rPr lang="en-US" dirty="0" smtClean="0"/>
+              <a:t>Last 5</a:t>
+            </a:r>
+          </a:p>
+          <a:p>
+            <a:r>
+              <a:rPr lang="en-US" dirty="0" err="1" smtClean="0"/>
+              <a:t>Df.tail</a:t>
+            </a:r>
+            <a:r>
+              <a:rPr lang="en-US" dirty="0" smtClean="0"/>
+              <a:t>(23)</a:t>
+            </a:r>
+          </a:p>
+          <a:p>
+            <a:pPr lvl="1"/>
+            <a:r>
+              <a:rPr lang="en-US" dirty="0" smtClean="0"/>
+              <a:t>Last 23</a:t>
+            </a:r>
+            <a:endParaRPr lang="en-US" dirty="0"/>
+          </a:p>
+          <a:p>
+            <a:r>
+              <a:rPr lang="en-US" dirty="0" err="1"/>
+              <a:t>df.index</a:t>
+            </a:r>
+            <a:r>
+              <a:rPr lang="en-US" dirty="0" smtClean="0"/>
+              <a:t>()</a:t>
+            </a:r>
+          </a:p>
+          <a:p>
+            <a:r>
+              <a:rPr lang="en-US" dirty="0" err="1" smtClean="0"/>
+              <a:t>df.T</a:t>
+            </a:r>
+            <a:r>
+              <a:rPr lang="en-US" dirty="0" smtClean="0"/>
+              <a:t> </a:t>
+            </a:r>
+          </a:p>
+          <a:p>
+            <a:pPr lvl="1"/>
+            <a:r>
+              <a:rPr lang="en-US" dirty="0" smtClean="0"/>
+              <a:t>Transpose data (switch columns and rows)</a:t>
+            </a:r>
+            <a:endParaRPr lang="en-US" dirty="0"/>
+          </a:p>
+        </p:txBody>
+      </p:sp>
+    </p:spTree>
+    <p:extLst>
+      <p:ext uri="{BB962C8B-B14F-4D97-AF65-F5344CB8AC3E}">
+        <p14:creationId xmlns:p14="http://schemas.microsoft.com/office/powerpoint/2010/main" val="1087614000"/>
+      </p:ext>
+    </p:extLst>
+  </p:cSld>
+  <p:clrMapOvr>
+    <a:masterClrMapping/>
+  </p:clrMapOvr>
+</p:sld>
+</file>
+
+<file path=ppt/slides/slide15.xml><?xml version="1.0" encoding="utf-8"?>
+<p:sld xmlns:a="http://schemas.openxmlformats.org/drawingml/2006/main" xmlns:r="http://schemas.openxmlformats.org/officeDocument/2006/relationships" xmlns:p="http://schemas.openxmlformats.org/presentationml/2006/main">
+  <p:cSld>
+    <p:spTree>
+      <p:nvGrpSpPr>
+        <p:cNvPr id="1" name=""/>
+        <p:cNvGrpSpPr/>
+        <p:nvPr/>
+      </p:nvGrpSpPr>
+      <p:grpSpPr>
+        <a:xfrm>
+          <a:off x="0" y="0"/>
+          <a:ext cx="0" cy="0"/>
+          <a:chOff x="0" y="0"/>
+          <a:chExt cx="0" cy="0"/>
+        </a:xfrm>
+      </p:grpSpPr>
+      <p:sp>
+        <p:nvSpPr>
+          <p:cNvPr id="2" name="Title 1"/>
+          <p:cNvSpPr>
+            <a:spLocks noGrp="1"/>
+          </p:cNvSpPr>
+          <p:nvPr>
+            <p:ph type="title"/>
+          </p:nvPr>
+        </p:nvSpPr>
+        <p:spPr/>
+        <p:txBody>
+          <a:bodyPr/>
+          <a:lstStyle/>
+          <a:p>
+            <a:r>
+              <a:rPr lang="en-US" dirty="0" smtClean="0"/>
+              <a:t>Pandas Selection</a:t>
+            </a:r>
+            <a:endParaRPr lang="en-US" dirty="0"/>
+          </a:p>
+        </p:txBody>
+      </p:sp>
+      <p:sp>
+        <p:nvSpPr>
+          <p:cNvPr id="3" name="Content Placeholder 2"/>
+          <p:cNvSpPr>
+            <a:spLocks noGrp="1"/>
+          </p:cNvSpPr>
+          <p:nvPr>
+            <p:ph idx="1"/>
+          </p:nvPr>
+        </p:nvSpPr>
+        <p:spPr/>
+        <p:txBody>
+          <a:bodyPr/>
+          <a:lstStyle/>
+          <a:p>
+            <a:r>
+              <a:rPr lang="en-US" dirty="0" err="1"/>
+              <a:t>df</a:t>
+            </a:r>
+            <a:r>
+              <a:rPr lang="en-US" dirty="0" err="1"/>
+              <a:t>.</a:t>
+            </a:r>
+            <a:r>
+              <a:rPr lang="en-US" dirty="0" err="1"/>
+              <a:t>sort_values</a:t>
+            </a:r>
+            <a:r>
+              <a:rPr lang="en-US" dirty="0"/>
+              <a:t>(by</a:t>
+            </a:r>
+            <a:r>
+              <a:rPr lang="en-US" dirty="0"/>
+              <a:t>='B</a:t>
+            </a:r>
+            <a:r>
+              <a:rPr lang="en-US" dirty="0" smtClean="0"/>
+              <a:t>') </a:t>
+            </a:r>
+          </a:p>
+          <a:p>
+            <a:pPr lvl="1"/>
+            <a:r>
+              <a:rPr lang="en-US" dirty="0" smtClean="0"/>
+              <a:t>Sorting by columns</a:t>
+            </a:r>
+          </a:p>
+          <a:p>
+            <a:pPr lvl="1"/>
+            <a:endParaRPr lang="en-US" dirty="0"/>
+          </a:p>
+          <a:p>
+            <a:r>
+              <a:rPr lang="en-US" dirty="0" err="1" smtClean="0"/>
+              <a:t>df</a:t>
+            </a:r>
+            <a:r>
+              <a:rPr lang="en-US" dirty="0" smtClean="0"/>
+              <a:t>[‘column’]</a:t>
+            </a:r>
+          </a:p>
+          <a:p>
+            <a:pPr lvl="1"/>
+            <a:r>
+              <a:rPr lang="en-US" dirty="0" smtClean="0"/>
+              <a:t>Select a single column</a:t>
+            </a:r>
+          </a:p>
+          <a:p>
+            <a:endParaRPr lang="en-US" dirty="0"/>
+          </a:p>
+          <a:p>
+            <a:r>
+              <a:rPr lang="en-US" dirty="0" err="1" smtClean="0"/>
+              <a:t>Df.loc</a:t>
+            </a:r>
+            <a:r>
+              <a:rPr lang="en-US" dirty="0" smtClean="0"/>
+              <a:t>[</a:t>
+            </a:r>
+            <a:r>
+              <a:rPr lang="en-US" dirty="0" err="1" smtClean="0"/>
+              <a:t>lablename</a:t>
+            </a:r>
+            <a:r>
+              <a:rPr lang="en-US" dirty="0" smtClean="0"/>
+              <a:t>[0]]</a:t>
+            </a:r>
+            <a:endParaRPr lang="en-US" dirty="0"/>
+          </a:p>
+        </p:txBody>
+      </p:sp>
+    </p:spTree>
+    <p:extLst>
+      <p:ext uri="{BB962C8B-B14F-4D97-AF65-F5344CB8AC3E}">
+        <p14:creationId xmlns:p14="http://schemas.microsoft.com/office/powerpoint/2010/main" val="2134357671"/>
+      </p:ext>
+    </p:extLst>
+  </p:cSld>
+  <p:clrMapOvr>
+    <a:masterClrMapping/>
+  </p:clrMapOvr>
+</p:sld>
+</file>
+
 <file path=ppt/slides/slide2.xml><?xml version="1.0" encoding="utf-8"?>
 <p:sld xmlns:a="http://schemas.openxmlformats.org/drawingml/2006/main" xmlns:r="http://schemas.openxmlformats.org/officeDocument/2006/relationships" xmlns:p="http://schemas.openxmlformats.org/presentationml/2006/main">
   <p:cSld>
@@ -5089,6 +5932,302 @@
     <p:extLst>
       <p:ext uri="{BB962C8B-B14F-4D97-AF65-F5344CB8AC3E}">
         <p14:creationId xmlns:p14="http://schemas.microsoft.com/office/powerpoint/2010/main" val="207650994"/>
+      </p:ext>
+    </p:extLst>
+  </p:cSld>
+  <p:clrMapOvr>
+    <a:masterClrMapping/>
+  </p:clrMapOvr>
+</p:sld>
+</file>
+
+<file path=ppt/slides/slide7.xml><?xml version="1.0" encoding="utf-8"?>
+<p:sld xmlns:a="http://schemas.openxmlformats.org/drawingml/2006/main" xmlns:r="http://schemas.openxmlformats.org/officeDocument/2006/relationships" xmlns:p="http://schemas.openxmlformats.org/presentationml/2006/main">
+  <p:cSld>
+    <p:spTree>
+      <p:nvGrpSpPr>
+        <p:cNvPr id="1" name=""/>
+        <p:cNvGrpSpPr/>
+        <p:nvPr/>
+      </p:nvGrpSpPr>
+      <p:grpSpPr>
+        <a:xfrm>
+          <a:off x="0" y="0"/>
+          <a:ext cx="0" cy="0"/>
+          <a:chOff x="0" y="0"/>
+          <a:chExt cx="0" cy="0"/>
+        </a:xfrm>
+      </p:grpSpPr>
+      <p:sp>
+        <p:nvSpPr>
+          <p:cNvPr id="2" name="Title 1"/>
+          <p:cNvSpPr>
+            <a:spLocks noGrp="1"/>
+          </p:cNvSpPr>
+          <p:nvPr>
+            <p:ph type="title"/>
+          </p:nvPr>
+        </p:nvSpPr>
+        <p:spPr>
+          <a:xfrm>
+            <a:off x="1083425" y="-433833"/>
+            <a:ext cx="10058400" cy="1450757"/>
+          </a:xfrm>
+        </p:spPr>
+        <p:txBody>
+          <a:bodyPr/>
+          <a:lstStyle/>
+          <a:p>
+            <a:r>
+              <a:rPr lang="en-US" dirty="0" smtClean="0"/>
+              <a:t>Storage/Index in </a:t>
+            </a:r>
+            <a:r>
+              <a:rPr lang="en-US" dirty="0" err="1" smtClean="0"/>
+              <a:t>NumPy</a:t>
+            </a:r>
+            <a:r>
+              <a:rPr lang="en-US" dirty="0" smtClean="0"/>
+              <a:t>/pandas</a:t>
+            </a:r>
+            <a:endParaRPr lang="en-US" dirty="0"/>
+          </a:p>
+        </p:txBody>
+      </p:sp>
+      <p:pic>
+        <p:nvPicPr>
+          <p:cNvPr id="4" name="Content Placeholder 3"/>
+          <p:cNvPicPr>
+            <a:picLocks noGrp="1" noChangeAspect="1"/>
+          </p:cNvPicPr>
+          <p:nvPr>
+            <p:ph idx="1"/>
+          </p:nvPr>
+        </p:nvPicPr>
+        <p:blipFill>
+          <a:blip r:embed="rId2">
+            <a:extLst>
+              <a:ext uri="{28A0092B-C50C-407E-A947-70E740481C1C}">
+                <a14:useLocalDpi xmlns:a14="http://schemas.microsoft.com/office/drawing/2010/main" val="0"/>
+              </a:ext>
+            </a:extLst>
+          </a:blip>
+          <a:stretch>
+            <a:fillRect/>
+          </a:stretch>
+        </p:blipFill>
+        <p:spPr>
+          <a:xfrm>
+            <a:off x="889895" y="1233053"/>
+            <a:ext cx="9897274" cy="5237019"/>
+          </a:xfrm>
+        </p:spPr>
+      </p:pic>
+    </p:spTree>
+    <p:extLst>
+      <p:ext uri="{BB962C8B-B14F-4D97-AF65-F5344CB8AC3E}">
+        <p14:creationId xmlns:p14="http://schemas.microsoft.com/office/powerpoint/2010/main" val="323891566"/>
+      </p:ext>
+    </p:extLst>
+  </p:cSld>
+  <p:clrMapOvr>
+    <a:masterClrMapping/>
+  </p:clrMapOvr>
+</p:sld>
+</file>
+
+<file path=ppt/slides/slide8.xml><?xml version="1.0" encoding="utf-8"?>
+<p:sld xmlns:a="http://schemas.openxmlformats.org/drawingml/2006/main" xmlns:r="http://schemas.openxmlformats.org/officeDocument/2006/relationships" xmlns:p="http://schemas.openxmlformats.org/presentationml/2006/main">
+  <p:cSld>
+    <p:spTree>
+      <p:nvGrpSpPr>
+        <p:cNvPr id="1" name=""/>
+        <p:cNvGrpSpPr/>
+        <p:nvPr/>
+      </p:nvGrpSpPr>
+      <p:grpSpPr>
+        <a:xfrm>
+          <a:off x="0" y="0"/>
+          <a:ext cx="0" cy="0"/>
+          <a:chOff x="0" y="0"/>
+          <a:chExt cx="0" cy="0"/>
+        </a:xfrm>
+      </p:grpSpPr>
+      <p:sp>
+        <p:nvSpPr>
+          <p:cNvPr id="2" name="Title 1"/>
+          <p:cNvSpPr>
+            <a:spLocks noGrp="1"/>
+          </p:cNvSpPr>
+          <p:nvPr>
+            <p:ph type="title"/>
+          </p:nvPr>
+        </p:nvSpPr>
+        <p:spPr/>
+        <p:txBody>
+          <a:bodyPr/>
+          <a:lstStyle/>
+          <a:p>
+            <a:r>
+              <a:rPr lang="en-US" dirty="0" err="1" smtClean="0"/>
+              <a:t>NumPy</a:t>
+            </a:r>
+            <a:r>
+              <a:rPr lang="en-US" dirty="0" smtClean="0"/>
+              <a:t> </a:t>
+            </a:r>
+            <a:endParaRPr lang="en-US" dirty="0"/>
+          </a:p>
+        </p:txBody>
+      </p:sp>
+      <p:sp>
+        <p:nvSpPr>
+          <p:cNvPr id="3" name="Content Placeholder 2"/>
+          <p:cNvSpPr>
+            <a:spLocks noGrp="1"/>
+          </p:cNvSpPr>
+          <p:nvPr>
+            <p:ph idx="1"/>
+          </p:nvPr>
+        </p:nvSpPr>
+        <p:spPr/>
+        <p:txBody>
+          <a:bodyPr/>
+          <a:lstStyle/>
+          <a:p>
+            <a:r>
+              <a:rPr lang="en-US" dirty="0" smtClean="0"/>
+              <a:t>Fast Math</a:t>
+            </a:r>
+          </a:p>
+          <a:p>
+            <a:r>
+              <a:rPr lang="en-US" dirty="0" smtClean="0"/>
+              <a:t>Advanced Math</a:t>
+            </a:r>
+          </a:p>
+          <a:p>
+            <a:r>
+              <a:rPr lang="en-US" dirty="0" smtClean="0"/>
+              <a:t>Great for </a:t>
+            </a:r>
+            <a:r>
+              <a:rPr lang="en-US" dirty="0" err="1" smtClean="0"/>
+              <a:t>SciPy</a:t>
+            </a:r>
+            <a:endParaRPr lang="en-US" dirty="0"/>
+          </a:p>
+        </p:txBody>
+      </p:sp>
+    </p:spTree>
+    <p:extLst>
+      <p:ext uri="{BB962C8B-B14F-4D97-AF65-F5344CB8AC3E}">
+        <p14:creationId xmlns:p14="http://schemas.microsoft.com/office/powerpoint/2010/main" val="1630438162"/>
+      </p:ext>
+    </p:extLst>
+  </p:cSld>
+  <p:clrMapOvr>
+    <a:masterClrMapping/>
+  </p:clrMapOvr>
+</p:sld>
+</file>
+
+<file path=ppt/slides/slide9.xml><?xml version="1.0" encoding="utf-8"?>
+<p:sld xmlns:a="http://schemas.openxmlformats.org/drawingml/2006/main" xmlns:r="http://schemas.openxmlformats.org/officeDocument/2006/relationships" xmlns:p="http://schemas.openxmlformats.org/presentationml/2006/main">
+  <p:cSld>
+    <p:spTree>
+      <p:nvGrpSpPr>
+        <p:cNvPr id="1" name=""/>
+        <p:cNvGrpSpPr/>
+        <p:nvPr/>
+      </p:nvGrpSpPr>
+      <p:grpSpPr>
+        <a:xfrm>
+          <a:off x="0" y="0"/>
+          <a:ext cx="0" cy="0"/>
+          <a:chOff x="0" y="0"/>
+          <a:chExt cx="0" cy="0"/>
+        </a:xfrm>
+      </p:grpSpPr>
+      <p:sp>
+        <p:nvSpPr>
+          <p:cNvPr id="2" name="Title 1"/>
+          <p:cNvSpPr>
+            <a:spLocks noGrp="1"/>
+          </p:cNvSpPr>
+          <p:nvPr>
+            <p:ph type="title"/>
+          </p:nvPr>
+        </p:nvSpPr>
+        <p:spPr/>
+        <p:txBody>
+          <a:bodyPr/>
+          <a:lstStyle/>
+          <a:p>
+            <a:r>
+              <a:rPr lang="en-US" dirty="0" smtClean="0"/>
+              <a:t>Pandas</a:t>
+            </a:r>
+            <a:endParaRPr lang="en-US" dirty="0"/>
+          </a:p>
+        </p:txBody>
+      </p:sp>
+      <p:sp>
+        <p:nvSpPr>
+          <p:cNvPr id="3" name="Content Placeholder 2"/>
+          <p:cNvSpPr>
+            <a:spLocks noGrp="1"/>
+          </p:cNvSpPr>
+          <p:nvPr>
+            <p:ph idx="1"/>
+          </p:nvPr>
+        </p:nvSpPr>
+        <p:spPr/>
+        <p:txBody>
+          <a:bodyPr/>
+          <a:lstStyle/>
+          <a:p>
+            <a:r>
+              <a:rPr lang="en-US" dirty="0" smtClean="0"/>
+              <a:t>Easy way to use most functions of </a:t>
+            </a:r>
+            <a:r>
+              <a:rPr lang="en-US" dirty="0" err="1" smtClean="0"/>
+              <a:t>NumPy</a:t>
+            </a:r>
+            <a:endParaRPr lang="en-US" dirty="0" smtClean="0"/>
+          </a:p>
+          <a:p>
+            <a:endParaRPr lang="en-US" dirty="0" smtClean="0"/>
+          </a:p>
+          <a:p>
+            <a:r>
+              <a:rPr lang="en-US" dirty="0" smtClean="0"/>
+              <a:t>Great for getting overviews of data</a:t>
+            </a:r>
+          </a:p>
+          <a:p>
+            <a:endParaRPr lang="en-US" dirty="0"/>
+          </a:p>
+          <a:p>
+            <a:r>
+              <a:rPr lang="en-US" dirty="0" smtClean="0"/>
+              <a:t>Great for cleaning the data</a:t>
+            </a:r>
+          </a:p>
+          <a:p>
+            <a:pPr lvl="1"/>
+            <a:endParaRPr lang="en-US" dirty="0" smtClean="0"/>
+          </a:p>
+          <a:p>
+            <a:endParaRPr lang="en-US" dirty="0" smtClean="0"/>
+          </a:p>
+        </p:txBody>
+      </p:sp>
+    </p:spTree>
+    <p:extLst>
+      <p:ext uri="{BB962C8B-B14F-4D97-AF65-F5344CB8AC3E}">
+        <p14:creationId xmlns:p14="http://schemas.microsoft.com/office/powerpoint/2010/main" val="392693107"/>
       </p:ext>
     </p:extLst>
   </p:cSld>
